--- a/2/basic solidworks.pptx
+++ b/2/basic solidworks.pptx
@@ -52,7 +52,7 @@
       <p:boldItalic r:id="rId38"/>
     </p:embeddedFont>
     <p:embeddedFont>
-      <p:font typeface="Nunito" panose="020B0604020202020204" charset="0"/>
+      <p:font typeface="Nunito" pitchFamily="2" charset="0"/>
       <p:regular r:id="rId39"/>
       <p:bold r:id="rId40"/>
       <p:italic r:id="rId41"/>
@@ -288,6 +288,11 @@
       </a:defRPr>
     </a:lvl9pPr>
   </p:defaultTextStyle>
+  <p:extLst>
+    <p:ext uri="{EFAFB233-063F-42B5-8137-9DF3F51BA10A}">
+      <p15:sldGuideLst xmlns:p15="http://schemas.microsoft.com/office/powerpoint/2012/main"/>
+    </p:ext>
+  </p:extLst>
 </p:presentation>
 </file>
 
@@ -13837,7 +13842,39 @@
             </a:pPr>
             <a:r>
               <a:rPr lang="en-GB" dirty="0"/>
-              <a:t>The CAD team may use different software such as Inventor, but use Solidworks for this workshop</a:t>
+              <a:t>Download </a:t>
+            </a:r>
+            <a:r>
+              <a:rPr lang="en-GB" dirty="0" err="1"/>
+              <a:t>Onshape</a:t>
+            </a:r>
+            <a:r>
+              <a:rPr lang="en-GB" dirty="0"/>
+              <a:t> and create an account using your student email</a:t>
+            </a:r>
+          </a:p>
+          <a:p>
+            <a:pPr marL="457200" lvl="0" indent="-311150" algn="l" rtl="0">
+              <a:spcBef>
+                <a:spcPts val="0"/>
+              </a:spcBef>
+              <a:spcAft>
+                <a:spcPts val="0"/>
+              </a:spcAft>
+              <a:buSzPts val="1300"/>
+              <a:buChar char="●"/>
+            </a:pPr>
+            <a:r>
+              <a:rPr lang="en-GB" dirty="0"/>
+              <a:t>The CAD team may use different software such as </a:t>
+            </a:r>
+            <a:r>
+              <a:rPr lang="en-GB" dirty="0" err="1"/>
+              <a:t>Onshape</a:t>
+            </a:r>
+            <a:r>
+              <a:rPr lang="en-GB" dirty="0"/>
+              <a:t>, but use Solidworks for this workshop</a:t>
             </a:r>
           </a:p>
           <a:p>
